--- a/protection.pptx
+++ b/protection.pptx
@@ -221,7 +221,7 @@
             <a:pPr rtl="0"/>
             <a:fld id="{2BADECFF-C1E6-41B7-861F-BE2B26CDAB05}" type="datetime1">
               <a:rPr lang="ru-RU" smtClean="0"/>
-              <a:t>27.04.2024</a:t>
+              <a:t>28.04.2024</a:t>
             </a:fld>
             <a:endParaRPr lang="ru-RU" dirty="0"/>
           </a:p>
@@ -391,7 +391,7 @@
             <a:pPr rtl="0"/>
             <a:fld id="{6F848B8F-24F3-4766-A59C-71045DA4FEF0}" type="datetime1">
               <a:rPr lang="ru-RU" smtClean="0"/>
-              <a:t>27.04.2024</a:t>
+              <a:t>28.04.2024</a:t>
             </a:fld>
             <a:endParaRPr lang="ru-RU" dirty="0"/>
           </a:p>
@@ -3326,7 +3326,7 @@
             <a:pPr rtl="0"/>
             <a:fld id="{21D30A75-6773-4051-8E3B-50DEBD5B27F5}" type="datetime1">
               <a:rPr lang="ru-RU" smtClean="0"/>
-              <a:t>27.04.2024</a:t>
+              <a:t>28.04.2024</a:t>
             </a:fld>
             <a:endParaRPr lang="ru-RU" dirty="0"/>
           </a:p>
@@ -3525,7 +3525,7 @@
             <a:pPr rtl="0"/>
             <a:fld id="{D7928C6E-EC50-49F1-B95C-FD73C1D14895}" type="datetime1">
               <a:rPr lang="ru-RU" smtClean="0"/>
-              <a:t>27.04.2024</a:t>
+              <a:t>28.04.2024</a:t>
             </a:fld>
             <a:endParaRPr lang="ru-RU" dirty="0"/>
           </a:p>
@@ -3714,7 +3714,7 @@
             <a:pPr rtl="0"/>
             <a:fld id="{A29ED9D4-4098-4CD3-A9A7-C343301264F2}" type="datetime1">
               <a:rPr lang="ru-RU" smtClean="0"/>
-              <a:t>27.04.2024</a:t>
+              <a:t>28.04.2024</a:t>
             </a:fld>
             <a:endParaRPr lang="ru-RU" dirty="0"/>
           </a:p>
@@ -6062,7 +6062,7 @@
             <a:pPr rtl="0"/>
             <a:fld id="{687FFE1D-B4BF-42B3-9799-021BB66D51E4}" type="datetime1">
               <a:rPr lang="ru-RU" smtClean="0"/>
-              <a:t>27.04.2024</a:t>
+              <a:t>28.04.2024</a:t>
             </a:fld>
             <a:endParaRPr lang="ru-RU" dirty="0"/>
           </a:p>
@@ -6521,7 +6521,7 @@
             <a:pPr rtl="0"/>
             <a:fld id="{433AC169-0119-4659-9B73-547F9C11A152}" type="datetime1">
               <a:rPr lang="ru-RU" smtClean="0"/>
-              <a:t>27.04.2024</a:t>
+              <a:t>28.04.2024</a:t>
             </a:fld>
             <a:endParaRPr lang="ru-RU" dirty="0"/>
           </a:p>
@@ -6658,7 +6658,7 @@
             <a:pPr rtl="0"/>
             <a:fld id="{88FE940F-5E05-43A4-90CE-E7C7653F1C67}" type="datetime1">
               <a:rPr lang="ru-RU" smtClean="0"/>
-              <a:t>27.04.2024</a:t>
+              <a:t>28.04.2024</a:t>
             </a:fld>
             <a:endParaRPr lang="ru-RU" dirty="0"/>
           </a:p>
@@ -8594,7 +8594,7 @@
             <a:pPr rtl="0"/>
             <a:fld id="{CA01554F-F072-4658-949A-7A94F490DB04}" type="datetime1">
               <a:rPr lang="ru-RU" smtClean="0"/>
-              <a:t>27.04.2024</a:t>
+              <a:t>28.04.2024</a:t>
             </a:fld>
             <a:endParaRPr lang="ru-RU" dirty="0"/>
           </a:p>
@@ -10856,7 +10856,7 @@
             <a:pPr rtl="0"/>
             <a:fld id="{3B0BFD1E-E11D-434C-9F87-0B5F0A29CFEC}" type="datetime1">
               <a:rPr lang="ru-RU" smtClean="0"/>
-              <a:t>27.04.2024</a:t>
+              <a:t>28.04.2024</a:t>
             </a:fld>
             <a:endParaRPr lang="ru-RU" dirty="0"/>
           </a:p>
@@ -15155,7 +15155,7 @@
             <a:pPr rtl="0"/>
             <a:fld id="{99137652-B7E4-4AE8-853E-9803CAFAAF7E}" type="datetime1">
               <a:rPr lang="ru-RU" smtClean="0"/>
-              <a:t>27.04.2024</a:t>
+              <a:t>28.04.2024</a:t>
             </a:fld>
             <a:endParaRPr lang="ru-RU" dirty="0"/>
           </a:p>
@@ -16561,7 +16561,7 @@
                 <a:latin typeface="Roboto Condensed" panose="02000000000000000000" pitchFamily="2" charset="0"/>
                 <a:ea typeface="Roboto Condensed" panose="02000000000000000000" pitchFamily="2" charset="0"/>
               </a:rPr>
-              <a:t>сыграть с ботов</a:t>
+              <a:t>сыграть с ботом</a:t>
             </a:r>
             <a:endParaRPr lang="en-US" dirty="0">
               <a:latin typeface="Roboto Condensed" panose="02000000000000000000" pitchFamily="2" charset="0"/>
